--- a/_site/img/icra2020/merge picture.pptx
+++ b/_site/img/icra2020/merge picture.pptx
@@ -6,6 +6,7 @@
   </p:sldMasterIdLst>
   <p:sldIdLst>
     <p:sldId id="256" r:id="rId2"/>
+    <p:sldId id="257" r:id="rId3"/>
   </p:sldIdLst>
   <p:sldSz cx="12192000" cy="6858000"/>
   <p:notesSz cx="6858000" cy="9144000"/>
@@ -104,6 +105,11 @@
       </a:defRPr>
     </a:lvl9pPr>
   </p:defaultTextStyle>
+  <p:extLst>
+    <p:ext uri="{EFAFB233-063F-42B5-8137-9DF3F51BA10A}">
+      <p15:sldGuideLst xmlns:p15="http://schemas.microsoft.com/office/powerpoint/2012/main"/>
+    </p:ext>
+  </p:extLst>
 </p:presentation>
 </file>
 
@@ -3335,6 +3341,149 @@
         </p:nvGrpSpPr>
         <p:grpSpPr>
           <a:xfrm>
+            <a:off x="0" y="4663440"/>
+            <a:ext cx="12192000" cy="1231132"/>
+            <a:chOff x="0" y="4663440"/>
+            <a:chExt cx="12192000" cy="1231132"/>
+          </a:xfrm>
+        </p:grpSpPr>
+        <p:pic>
+          <p:nvPicPr>
+            <p:cNvPr id="1026" name="Picture 2" descr="âicra 2020âçå¾çæç´¢ç»æ">
+              <a:extLst>
+                <a:ext uri="{FF2B5EF4-FFF2-40B4-BE49-F238E27FC236}">
+                  <a16:creationId xmlns:a16="http://schemas.microsoft.com/office/drawing/2014/main" id="{9241865A-6C74-43E7-AB26-4388DB570149}"/>
+                </a:ext>
+              </a:extLst>
+            </p:cNvPr>
+            <p:cNvPicPr>
+              <a:picLocks noChangeAspect="1" noChangeArrowheads="1"/>
+            </p:cNvPicPr>
+            <p:nvPr/>
+          </p:nvPicPr>
+          <p:blipFill rotWithShape="1">
+            <a:blip r:embed="rId2">
+              <a:extLst>
+                <a:ext uri="{28A0092B-C50C-407E-A947-70E740481C1C}">
+                  <a14:useLocalDpi xmlns:a14="http://schemas.microsoft.com/office/drawing/2010/main" val="0"/>
+                </a:ext>
+              </a:extLst>
+            </a:blip>
+            <a:srcRect t="75765"/>
+            <a:stretch/>
+          </p:blipFill>
+          <p:spPr bwMode="auto">
+            <a:xfrm>
+              <a:off x="0" y="4663440"/>
+              <a:ext cx="12192000" cy="1231132"/>
+            </a:xfrm>
+            <a:prstGeom prst="rect">
+              <a:avLst/>
+            </a:prstGeom>
+            <a:noFill/>
+            <a:extLst>
+              <a:ext uri="{909E8E84-426E-40DD-AFC4-6F175D3DCCD1}">
+                <a14:hiddenFill xmlns:a14="http://schemas.microsoft.com/office/drawing/2010/main">
+                  <a:solidFill>
+                    <a:srgbClr val="FFFFFF"/>
+                  </a:solidFill>
+                </a14:hiddenFill>
+              </a:ext>
+            </a:extLst>
+          </p:spPr>
+        </p:pic>
+        <p:pic>
+          <p:nvPicPr>
+            <p:cNvPr id="1032" name="Picture 8">
+              <a:extLst>
+                <a:ext uri="{FF2B5EF4-FFF2-40B4-BE49-F238E27FC236}">
+                  <a16:creationId xmlns:a16="http://schemas.microsoft.com/office/drawing/2014/main" id="{E373C43A-EE00-42DB-BD4B-FF8D7C84410F}"/>
+                </a:ext>
+              </a:extLst>
+            </p:cNvPr>
+            <p:cNvPicPr>
+              <a:picLocks noChangeAspect="1" noChangeArrowheads="1"/>
+            </p:cNvPicPr>
+            <p:nvPr/>
+          </p:nvPicPr>
+          <p:blipFill>
+            <a:blip r:embed="rId3">
+              <a:extLst>
+                <a:ext uri="{28A0092B-C50C-407E-A947-70E740481C1C}">
+                  <a14:useLocalDpi xmlns:a14="http://schemas.microsoft.com/office/drawing/2010/main" val="0"/>
+                </a:ext>
+              </a:extLst>
+            </a:blip>
+            <a:srcRect/>
+            <a:stretch>
+              <a:fillRect/>
+            </a:stretch>
+          </p:blipFill>
+          <p:spPr bwMode="auto">
+            <a:xfrm>
+              <a:off x="111760" y="5161147"/>
+              <a:ext cx="7620000" cy="733425"/>
+            </a:xfrm>
+            <a:prstGeom prst="rect">
+              <a:avLst/>
+            </a:prstGeom>
+            <a:noFill/>
+            <a:extLst>
+              <a:ext uri="{909E8E84-426E-40DD-AFC4-6F175D3DCCD1}">
+                <a14:hiddenFill xmlns:a14="http://schemas.microsoft.com/office/drawing/2010/main">
+                  <a:solidFill>
+                    <a:srgbClr val="FFFFFF"/>
+                  </a:solidFill>
+                </a14:hiddenFill>
+              </a:ext>
+            </a:extLst>
+          </p:spPr>
+        </p:pic>
+      </p:grpSp>
+    </p:spTree>
+    <p:extLst>
+      <p:ext uri="{BB962C8B-B14F-4D97-AF65-F5344CB8AC3E}">
+        <p14:creationId xmlns:p14="http://schemas.microsoft.com/office/powerpoint/2010/main" val="2241381915"/>
+      </p:ext>
+    </p:extLst>
+  </p:cSld>
+  <p:clrMapOvr>
+    <a:masterClrMapping/>
+  </p:clrMapOvr>
+</p:sld>
+</file>
+
+<file path=ppt/slides/slide2.xml><?xml version="1.0" encoding="utf-8"?>
+<p:sld xmlns:a="http://schemas.openxmlformats.org/drawingml/2006/main" xmlns:r="http://schemas.openxmlformats.org/officeDocument/2006/relationships" xmlns:p="http://schemas.openxmlformats.org/presentationml/2006/main">
+  <p:cSld>
+    <p:spTree>
+      <p:nvGrpSpPr>
+        <p:cNvPr id="1" name=""/>
+        <p:cNvGrpSpPr/>
+        <p:nvPr/>
+      </p:nvGrpSpPr>
+      <p:grpSpPr>
+        <a:xfrm>
+          <a:off x="0" y="0"/>
+          <a:ext cx="0" cy="0"/>
+          <a:chOff x="0" y="0"/>
+          <a:chExt cx="0" cy="0"/>
+        </a:xfrm>
+      </p:grpSpPr>
+      <p:grpSp>
+        <p:nvGrpSpPr>
+          <p:cNvPr id="8" name="Group 7">
+            <a:extLst>
+              <a:ext uri="{FF2B5EF4-FFF2-40B4-BE49-F238E27FC236}">
+                <a16:creationId xmlns:a16="http://schemas.microsoft.com/office/drawing/2014/main" id="{13819DC9-C6FE-42B9-97A1-496740C02305}"/>
+              </a:ext>
+            </a:extLst>
+          </p:cNvPr>
+          <p:cNvGrpSpPr/>
+          <p:nvPr/>
+        </p:nvGrpSpPr>
+        <p:grpSpPr>
+          <a:xfrm>
             <a:off x="0" y="814572"/>
             <a:ext cx="12192000" cy="5080000"/>
             <a:chOff x="0" y="814572"/>
@@ -3439,7 +3588,7 @@
     </p:spTree>
     <p:extLst>
       <p:ext uri="{BB962C8B-B14F-4D97-AF65-F5344CB8AC3E}">
-        <p14:creationId xmlns:p14="http://schemas.microsoft.com/office/powerpoint/2010/main" val="2241381915"/>
+        <p14:creationId xmlns:p14="http://schemas.microsoft.com/office/powerpoint/2010/main" val="125632883"/>
       </p:ext>
     </p:extLst>
   </p:cSld>

--- a/_site/img/icra2020/merge picture.pptx
+++ b/_site/img/icra2020/merge picture.pptx
@@ -6,7 +6,8 @@
   </p:sldMasterIdLst>
   <p:sldIdLst>
     <p:sldId id="256" r:id="rId2"/>
-    <p:sldId id="257" r:id="rId3"/>
+    <p:sldId id="258" r:id="rId3"/>
+    <p:sldId id="257" r:id="rId4"/>
   </p:sldIdLst>
   <p:sldSz cx="12192000" cy="6858000"/>
   <p:notesSz cx="6858000" cy="9144000"/>
@@ -3470,6 +3471,66 @@
           <a:chExt cx="0" cy="0"/>
         </a:xfrm>
       </p:grpSpPr>
+      <p:pic>
+        <p:nvPicPr>
+          <p:cNvPr id="2" name="Picture 1">
+            <a:extLst>
+              <a:ext uri="{FF2B5EF4-FFF2-40B4-BE49-F238E27FC236}">
+                <a16:creationId xmlns:a16="http://schemas.microsoft.com/office/drawing/2014/main" id="{A2EF6F48-EA58-4A73-AC71-B0874BDFDA97}"/>
+              </a:ext>
+            </a:extLst>
+          </p:cNvPr>
+          <p:cNvPicPr>
+            <a:picLocks noChangeAspect="1"/>
+          </p:cNvPicPr>
+          <p:nvPr/>
+        </p:nvPicPr>
+        <p:blipFill>
+          <a:blip r:embed="rId2"/>
+          <a:stretch>
+            <a:fillRect/>
+          </a:stretch>
+        </p:blipFill>
+        <p:spPr>
+          <a:xfrm>
+            <a:off x="246062" y="2895600"/>
+            <a:ext cx="11496675" cy="1066800"/>
+          </a:xfrm>
+          <a:prstGeom prst="rect">
+            <a:avLst/>
+          </a:prstGeom>
+        </p:spPr>
+      </p:pic>
+    </p:spTree>
+    <p:extLst>
+      <p:ext uri="{BB962C8B-B14F-4D97-AF65-F5344CB8AC3E}">
+        <p14:creationId xmlns:p14="http://schemas.microsoft.com/office/powerpoint/2010/main" val="4262598883"/>
+      </p:ext>
+    </p:extLst>
+  </p:cSld>
+  <p:clrMapOvr>
+    <a:masterClrMapping/>
+  </p:clrMapOvr>
+</p:sld>
+</file>
+
+<file path=ppt/slides/slide3.xml><?xml version="1.0" encoding="utf-8"?>
+<p:sld xmlns:a="http://schemas.openxmlformats.org/drawingml/2006/main" xmlns:r="http://schemas.openxmlformats.org/officeDocument/2006/relationships" xmlns:p="http://schemas.openxmlformats.org/presentationml/2006/main">
+  <p:cSld>
+    <p:spTree>
+      <p:nvGrpSpPr>
+        <p:cNvPr id="1" name=""/>
+        <p:cNvGrpSpPr/>
+        <p:nvPr/>
+      </p:nvGrpSpPr>
+      <p:grpSpPr>
+        <a:xfrm>
+          <a:off x="0" y="0"/>
+          <a:ext cx="0" cy="0"/>
+          <a:chOff x="0" y="0"/>
+          <a:chExt cx="0" cy="0"/>
+        </a:xfrm>
+      </p:grpSpPr>
       <p:grpSp>
         <p:nvGrpSpPr>
           <p:cNvPr id="8" name="Group 7">
